--- a/HADIS_presentation.pptx
+++ b/HADIS_presentation.pptx
@@ -6,6 +6,7 @@
   </p:sldMasterIdLst>
   <p:sldIdLst>
     <p:sldId id="256" r:id="rId2"/>
+    <p:sldId id="258" r:id="rId3"/>
   </p:sldIdLst>
   <p:sldSz cx="12192000" cy="6858000"/>
   <p:notesSz cx="6858000" cy="9144000"/>
@@ -104,6 +105,11 @@
       </a:defRPr>
     </a:lvl9pPr>
   </p:defaultTextStyle>
+  <p:extLst>
+    <p:ext uri="{EFAFB233-063F-42B5-8137-9DF3F51BA10A}">
+      <p15:sldGuideLst xmlns:p15="http://schemas.microsoft.com/office/powerpoint/2012/main"/>
+    </p:ext>
+  </p:extLst>
 </p:presentation>
 </file>
 
@@ -336,7 +342,7 @@
           <a:p>
             <a:fld id="{9D4357D3-663C-45D6-979E-D922428FF99F}" type="datetimeFigureOut">
               <a:rPr lang="bg-BG" smtClean="0"/>
-              <a:t>05.04.2022</a:t>
+              <a:t>06.04.2022</a:t>
             </a:fld>
             <a:endParaRPr lang="bg-BG"/>
           </a:p>
@@ -670,7 +676,7 @@
           <a:p>
             <a:fld id="{9D4357D3-663C-45D6-979E-D922428FF99F}" type="datetimeFigureOut">
               <a:rPr lang="bg-BG" smtClean="0"/>
-              <a:t>05.04.2022</a:t>
+              <a:t>06.04.2022</a:t>
             </a:fld>
             <a:endParaRPr lang="bg-BG"/>
           </a:p>
@@ -948,7 +954,7 @@
           <a:p>
             <a:fld id="{9D4357D3-663C-45D6-979E-D922428FF99F}" type="datetimeFigureOut">
               <a:rPr lang="bg-BG" smtClean="0"/>
-              <a:t>05.04.2022</a:t>
+              <a:t>06.04.2022</a:t>
             </a:fld>
             <a:endParaRPr lang="bg-BG"/>
           </a:p>
@@ -1516,7 +1522,7 @@
           <a:p>
             <a:fld id="{9D4357D3-663C-45D6-979E-D922428FF99F}" type="datetimeFigureOut">
               <a:rPr lang="bg-BG" smtClean="0"/>
-              <a:t>05.04.2022</a:t>
+              <a:t>06.04.2022</a:t>
             </a:fld>
             <a:endParaRPr lang="bg-BG"/>
           </a:p>
@@ -1794,7 +1800,7 @@
           <a:p>
             <a:fld id="{9D4357D3-663C-45D6-979E-D922428FF99F}" type="datetimeFigureOut">
               <a:rPr lang="bg-BG" smtClean="0"/>
-              <a:t>05.04.2022</a:t>
+              <a:t>06.04.2022</a:t>
             </a:fld>
             <a:endParaRPr lang="bg-BG"/>
           </a:p>
@@ -2356,7 +2362,7 @@
           <a:p>
             <a:fld id="{9D4357D3-663C-45D6-979E-D922428FF99F}" type="datetimeFigureOut">
               <a:rPr lang="bg-BG" smtClean="0"/>
-              <a:t>05.04.2022</a:t>
+              <a:t>06.04.2022</a:t>
             </a:fld>
             <a:endParaRPr lang="bg-BG"/>
           </a:p>
@@ -2683,7 +2689,7 @@
           <a:p>
             <a:fld id="{9D4357D3-663C-45D6-979E-D922428FF99F}" type="datetimeFigureOut">
               <a:rPr lang="bg-BG" smtClean="0"/>
-              <a:t>05.04.2022</a:t>
+              <a:t>06.04.2022</a:t>
             </a:fld>
             <a:endParaRPr lang="bg-BG"/>
           </a:p>
@@ -2860,7 +2866,7 @@
           <a:p>
             <a:fld id="{9D4357D3-663C-45D6-979E-D922428FF99F}" type="datetimeFigureOut">
               <a:rPr lang="bg-BG" smtClean="0"/>
-              <a:t>05.04.2022</a:t>
+              <a:t>06.04.2022</a:t>
             </a:fld>
             <a:endParaRPr lang="bg-BG"/>
           </a:p>
@@ -3098,7 +3104,7 @@
           <a:p>
             <a:fld id="{9D4357D3-663C-45D6-979E-D922428FF99F}" type="datetimeFigureOut">
               <a:rPr lang="bg-BG" smtClean="0"/>
-              <a:t>05.04.2022</a:t>
+              <a:t>06.04.2022</a:t>
             </a:fld>
             <a:endParaRPr lang="bg-BG"/>
           </a:p>
@@ -3298,7 +3304,7 @@
           <a:p>
             <a:fld id="{9D4357D3-663C-45D6-979E-D922428FF99F}" type="datetimeFigureOut">
               <a:rPr lang="bg-BG" smtClean="0"/>
-              <a:t>05.04.2022</a:t>
+              <a:t>06.04.2022</a:t>
             </a:fld>
             <a:endParaRPr lang="bg-BG"/>
           </a:p>
@@ -3574,7 +3580,7 @@
           <a:p>
             <a:fld id="{9D4357D3-663C-45D6-979E-D922428FF99F}" type="datetimeFigureOut">
               <a:rPr lang="bg-BG" smtClean="0"/>
-              <a:t>05.04.2022</a:t>
+              <a:t>06.04.2022</a:t>
             </a:fld>
             <a:endParaRPr lang="bg-BG"/>
           </a:p>
@@ -3840,7 +3846,7 @@
           <a:p>
             <a:fld id="{9D4357D3-663C-45D6-979E-D922428FF99F}" type="datetimeFigureOut">
               <a:rPr lang="bg-BG" smtClean="0"/>
-              <a:t>05.04.2022</a:t>
+              <a:t>06.04.2022</a:t>
             </a:fld>
             <a:endParaRPr lang="bg-BG"/>
           </a:p>
@@ -4214,7 +4220,7 @@
           <a:p>
             <a:fld id="{9D4357D3-663C-45D6-979E-D922428FF99F}" type="datetimeFigureOut">
               <a:rPr lang="bg-BG" smtClean="0"/>
-              <a:t>05.04.2022</a:t>
+              <a:t>06.04.2022</a:t>
             </a:fld>
             <a:endParaRPr lang="bg-BG"/>
           </a:p>
@@ -4362,7 +4368,7 @@
           <a:p>
             <a:fld id="{9D4357D3-663C-45D6-979E-D922428FF99F}" type="datetimeFigureOut">
               <a:rPr lang="bg-BG" smtClean="0"/>
-              <a:t>05.04.2022</a:t>
+              <a:t>06.04.2022</a:t>
             </a:fld>
             <a:endParaRPr lang="bg-BG"/>
           </a:p>
@@ -4487,7 +4493,7 @@
           <a:p>
             <a:fld id="{9D4357D3-663C-45D6-979E-D922428FF99F}" type="datetimeFigureOut">
               <a:rPr lang="bg-BG" smtClean="0"/>
-              <a:t>05.04.2022</a:t>
+              <a:t>06.04.2022</a:t>
             </a:fld>
             <a:endParaRPr lang="bg-BG"/>
           </a:p>
@@ -4772,7 +4778,7 @@
           <a:p>
             <a:fld id="{9D4357D3-663C-45D6-979E-D922428FF99F}" type="datetimeFigureOut">
               <a:rPr lang="bg-BG" smtClean="0"/>
-              <a:t>05.04.2022</a:t>
+              <a:t>06.04.2022</a:t>
             </a:fld>
             <a:endParaRPr lang="bg-BG"/>
           </a:p>
@@ -5096,7 +5102,7 @@
           <a:p>
             <a:fld id="{9D4357D3-663C-45D6-979E-D922428FF99F}" type="datetimeFigureOut">
               <a:rPr lang="bg-BG" smtClean="0"/>
-              <a:t>05.04.2022</a:t>
+              <a:t>06.04.2022</a:t>
             </a:fld>
             <a:endParaRPr lang="bg-BG"/>
           </a:p>
@@ -5310,7 +5316,7 @@
           <a:p>
             <a:fld id="{9D4357D3-663C-45D6-979E-D922428FF99F}" type="datetimeFigureOut">
               <a:rPr lang="bg-BG" smtClean="0"/>
-              <a:t>05.04.2022</a:t>
+              <a:t>06.04.2022</a:t>
             </a:fld>
             <a:endParaRPr lang="bg-BG"/>
           </a:p>
@@ -5823,6 +5829,66 @@
           <a:chExt cx="0" cy="0"/>
         </a:xfrm>
       </p:grpSpPr>
+      <p:pic>
+        <p:nvPicPr>
+          <p:cNvPr id="4" name="Picture 3"/>
+          <p:cNvPicPr>
+            <a:picLocks noChangeAspect="1"/>
+          </p:cNvPicPr>
+          <p:nvPr/>
+        </p:nvPicPr>
+        <p:blipFill>
+          <a:blip r:embed="rId2">
+            <a:extLst>
+              <a:ext uri="{28A0092B-C50C-407E-A947-70E740481C1C}">
+                <a14:useLocalDpi xmlns:a14="http://schemas.microsoft.com/office/drawing/2010/main" val="0"/>
+              </a:ext>
+            </a:extLst>
+          </a:blip>
+          <a:stretch>
+            <a:fillRect/>
+          </a:stretch>
+        </p:blipFill>
+        <p:spPr>
+          <a:xfrm>
+            <a:off x="-272144" y="-1"/>
+            <a:ext cx="12736289" cy="6858001"/>
+          </a:xfrm>
+          <a:prstGeom prst="rect">
+            <a:avLst/>
+          </a:prstGeom>
+        </p:spPr>
+      </p:pic>
+      <p:pic>
+        <p:nvPicPr>
+          <p:cNvPr id="5" name="Picture 4"/>
+          <p:cNvPicPr>
+            <a:picLocks noChangeAspect="1"/>
+          </p:cNvPicPr>
+          <p:nvPr/>
+        </p:nvPicPr>
+        <p:blipFill>
+          <a:blip r:embed="rId3">
+            <a:extLst>
+              <a:ext uri="{28A0092B-C50C-407E-A947-70E740481C1C}">
+                <a14:useLocalDpi xmlns:a14="http://schemas.microsoft.com/office/drawing/2010/main" val="0"/>
+              </a:ext>
+            </a:extLst>
+          </a:blip>
+          <a:stretch>
+            <a:fillRect/>
+          </a:stretch>
+        </p:blipFill>
+        <p:spPr>
+          <a:xfrm>
+            <a:off x="-1184528" y="2699799"/>
+            <a:ext cx="912384" cy="950400"/>
+          </a:xfrm>
+          <a:prstGeom prst="rect">
+            <a:avLst/>
+          </a:prstGeom>
+        </p:spPr>
+      </p:pic>
       <p:sp>
         <p:nvSpPr>
           <p:cNvPr id="2" name="Title 1"/>
@@ -5838,7 +5904,11 @@
           <a:bodyPr/>
           <a:lstStyle/>
           <a:p>
-            <a:endParaRPr lang="bg-BG"/>
+            <a:r>
+              <a:rPr lang="en-US" dirty="0" smtClean="0"/>
+              <a:t>HADIS</a:t>
+            </a:r>
+            <a:endParaRPr lang="bg-BG" dirty="0"/>
           </a:p>
         </p:txBody>
       </p:sp>
@@ -5857,7 +5927,11 @@
           <a:bodyPr/>
           <a:lstStyle/>
           <a:p>
-            <a:endParaRPr lang="bg-BG"/>
+            <a:r>
+              <a:rPr lang="en-US" dirty="0" smtClean="0"/>
+              <a:t>HUNT A DUCK IN SPACE</a:t>
+            </a:r>
+            <a:endParaRPr lang="bg-BG" dirty="0"/>
           </a:p>
         </p:txBody>
       </p:sp>
@@ -5871,6 +5945,381 @@
   <p:clrMapOvr>
     <a:masterClrMapping/>
   </p:clrMapOvr>
+  <p:timing>
+    <p:tnLst>
+      <p:par>
+        <p:cTn id="1" dur="indefinite" restart="never" nodeType="tmRoot">
+          <p:childTnLst>
+            <p:seq concurrent="1" nextAc="seek">
+              <p:cTn id="2" dur="indefinite" nodeType="mainSeq">
+                <p:childTnLst>
+                  <p:par>
+                    <p:cTn id="3" fill="hold">
+                      <p:stCondLst>
+                        <p:cond delay="indefinite"/>
+                      </p:stCondLst>
+                      <p:childTnLst>
+                        <p:par>
+                          <p:cTn id="4" fill="hold">
+                            <p:stCondLst>
+                              <p:cond delay="0"/>
+                            </p:stCondLst>
+                            <p:childTnLst>
+                              <p:par>
+                                <p:cTn id="5" presetID="63" presetClass="path" presetSubtype="0" accel="50000" decel="50000" fill="hold" nodeType="clickEffect">
+                                  <p:stCondLst>
+                                    <p:cond delay="0"/>
+                                  </p:stCondLst>
+                                  <p:childTnLst>
+                                    <p:animMotion origin="layout" path="M -4.58333E-6 -2.96296E-6 L 1.13685 0.0007 " pathEditMode="relative" rAng="0" ptsTypes="AA">
+                                      <p:cBhvr>
+                                        <p:cTn id="6" dur="10000" fill="hold"/>
+                                        <p:tgtEl>
+                                          <p:spTgt spid="5"/>
+                                        </p:tgtEl>
+                                        <p:attrNameLst>
+                                          <p:attrName>ppt_x</p:attrName>
+                                          <p:attrName>ppt_y</p:attrName>
+                                        </p:attrNameLst>
+                                      </p:cBhvr>
+                                      <p:rCtr x="56836" y="23"/>
+                                    </p:animMotion>
+                                  </p:childTnLst>
+                                </p:cTn>
+                              </p:par>
+                            </p:childTnLst>
+                          </p:cTn>
+                        </p:par>
+                      </p:childTnLst>
+                    </p:cTn>
+                  </p:par>
+                  <p:par>
+                    <p:cTn id="7" fill="hold">
+                      <p:stCondLst>
+                        <p:cond delay="indefinite"/>
+                      </p:stCondLst>
+                      <p:childTnLst>
+                        <p:par>
+                          <p:cTn id="8" fill="hold">
+                            <p:stCondLst>
+                              <p:cond delay="0"/>
+                            </p:stCondLst>
+                            <p:childTnLst>
+                              <p:par>
+                                <p:cTn id="9" presetID="8" presetClass="emph" presetSubtype="0" fill="hold" nodeType="clickEffect">
+                                  <p:stCondLst>
+                                    <p:cond delay="0"/>
+                                  </p:stCondLst>
+                                  <p:childTnLst>
+                                    <p:animRot by="21600000">
+                                      <p:cBhvr>
+                                        <p:cTn id="10" dur="10000" fill="hold"/>
+                                        <p:tgtEl>
+                                          <p:spTgt spid="5"/>
+                                        </p:tgtEl>
+                                        <p:attrNameLst>
+                                          <p:attrName>r</p:attrName>
+                                        </p:attrNameLst>
+                                      </p:cBhvr>
+                                    </p:animRot>
+                                  </p:childTnLst>
+                                </p:cTn>
+                              </p:par>
+                            </p:childTnLst>
+                          </p:cTn>
+                        </p:par>
+                      </p:childTnLst>
+                    </p:cTn>
+                  </p:par>
+                </p:childTnLst>
+              </p:cTn>
+              <p:prevCondLst>
+                <p:cond evt="onPrev" delay="0">
+                  <p:tgtEl>
+                    <p:sldTgt/>
+                  </p:tgtEl>
+                </p:cond>
+              </p:prevCondLst>
+              <p:nextCondLst>
+                <p:cond evt="onNext" delay="0">
+                  <p:tgtEl>
+                    <p:sldTgt/>
+                  </p:tgtEl>
+                </p:cond>
+              </p:nextCondLst>
+            </p:seq>
+          </p:childTnLst>
+        </p:cTn>
+      </p:par>
+    </p:tnLst>
+  </p:timing>
+</p:sld>
+</file>
+
+<file path=ppt/slides/slide2.xml><?xml version="1.0" encoding="utf-8"?>
+<p:sld xmlns:a="http://schemas.openxmlformats.org/drawingml/2006/main" xmlns:r="http://schemas.openxmlformats.org/officeDocument/2006/relationships" xmlns:p="http://schemas.openxmlformats.org/presentationml/2006/main">
+  <p:cSld>
+    <p:spTree>
+      <p:nvGrpSpPr>
+        <p:cNvPr id="1" name=""/>
+        <p:cNvGrpSpPr/>
+        <p:nvPr/>
+      </p:nvGrpSpPr>
+      <p:grpSpPr>
+        <a:xfrm>
+          <a:off x="0" y="0"/>
+          <a:ext cx="0" cy="0"/>
+          <a:chOff x="0" y="0"/>
+          <a:chExt cx="0" cy="0"/>
+        </a:xfrm>
+      </p:grpSpPr>
+      <p:sp>
+        <p:nvSpPr>
+          <p:cNvPr id="2" name="Title 1"/>
+          <p:cNvSpPr>
+            <a:spLocks noGrp="1"/>
+          </p:cNvSpPr>
+          <p:nvPr>
+            <p:ph type="title"/>
+          </p:nvPr>
+        </p:nvSpPr>
+        <p:spPr/>
+        <p:txBody>
+          <a:bodyPr/>
+          <a:lstStyle/>
+          <a:p>
+            <a:r>
+              <a:rPr lang="bg-BG" dirty="0" smtClean="0"/>
+              <a:t>Кои сме ние?</a:t>
+            </a:r>
+            <a:endParaRPr lang="bg-BG" dirty="0"/>
+          </a:p>
+        </p:txBody>
+      </p:sp>
+      <p:sp>
+        <p:nvSpPr>
+          <p:cNvPr id="3" name="Text Placeholder 2"/>
+          <p:cNvSpPr>
+            <a:spLocks noGrp="1"/>
+          </p:cNvSpPr>
+          <p:nvPr>
+            <p:ph type="body" idx="1"/>
+          </p:nvPr>
+        </p:nvSpPr>
+        <p:spPr>
+          <a:xfrm>
+            <a:off x="973670" y="5195220"/>
+            <a:ext cx="4709054" cy="576262"/>
+          </a:xfrm>
+          <a:effectLst>
+            <a:outerShdw blurRad="50800" dist="38100" dir="2700000" algn="tl" rotWithShape="0">
+              <a:prstClr val="black">
+                <a:alpha val="40000"/>
+              </a:prstClr>
+            </a:outerShdw>
+          </a:effectLst>
+        </p:spPr>
+        <p:txBody>
+          <a:bodyPr/>
+          <a:lstStyle/>
+          <a:p>
+            <a:r>
+              <a:rPr lang="bg-BG" dirty="0" smtClean="0"/>
+              <a:t>Димитър Грозев</a:t>
+            </a:r>
+            <a:endParaRPr lang="bg-BG" dirty="0"/>
+          </a:p>
+        </p:txBody>
+      </p:sp>
+      <p:sp>
+        <p:nvSpPr>
+          <p:cNvPr id="5" name="Text Placeholder 4"/>
+          <p:cNvSpPr>
+            <a:spLocks noGrp="1"/>
+          </p:cNvSpPr>
+          <p:nvPr>
+            <p:ph type="body" sz="quarter" idx="3"/>
+          </p:nvPr>
+        </p:nvSpPr>
+        <p:spPr>
+          <a:xfrm>
+            <a:off x="6094413" y="5195220"/>
+            <a:ext cx="4722813" cy="576262"/>
+          </a:xfrm>
+          <a:effectLst>
+            <a:outerShdw blurRad="50800" dist="38100" dir="2700000" algn="tl" rotWithShape="0">
+              <a:prstClr val="black">
+                <a:alpha val="40000"/>
+              </a:prstClr>
+            </a:outerShdw>
+          </a:effectLst>
+        </p:spPr>
+        <p:txBody>
+          <a:bodyPr/>
+          <a:lstStyle/>
+          <a:p>
+            <a:r>
+              <a:rPr lang="bg-BG" dirty="0" smtClean="0"/>
+              <a:t>Николай Захариев</a:t>
+            </a:r>
+            <a:endParaRPr lang="bg-BG" dirty="0"/>
+          </a:p>
+        </p:txBody>
+      </p:sp>
+      <p:pic>
+        <p:nvPicPr>
+          <p:cNvPr id="7" name="Content Placeholder 6"/>
+          <p:cNvPicPr>
+            <a:picLocks noGrp="1" noChangeAspect="1"/>
+          </p:cNvPicPr>
+          <p:nvPr>
+            <p:ph sz="quarter" idx="4"/>
+          </p:nvPr>
+        </p:nvPicPr>
+        <p:blipFill rotWithShape="1">
+          <a:blip r:embed="rId2">
+            <a:extLst>
+              <a:ext uri="{28A0092B-C50C-407E-A947-70E740481C1C}">
+                <a14:useLocalDpi xmlns:a14="http://schemas.microsoft.com/office/drawing/2010/main" val="0"/>
+              </a:ext>
+            </a:extLst>
+          </a:blip>
+          <a:srcRect t="11377" b="-147"/>
+          <a:stretch/>
+        </p:blipFill>
+        <p:spPr>
+          <a:xfrm>
+            <a:off x="7022807" y="2391277"/>
+            <a:ext cx="2592973" cy="2592973"/>
+          </a:xfrm>
+          <a:prstGeom prst="ellipse">
+            <a:avLst/>
+          </a:prstGeom>
+          <a:ln w="63500" cap="rnd">
+            <a:solidFill>
+              <a:schemeClr val="bg1"/>
+            </a:solidFill>
+          </a:ln>
+          <a:effectLst>
+            <a:outerShdw blurRad="50800" dist="38100" dir="2700000" algn="tl" rotWithShape="0">
+              <a:prstClr val="black">
+                <a:alpha val="40000"/>
+              </a:prstClr>
+            </a:outerShdw>
+          </a:effectLst>
+          <a:scene3d>
+            <a:camera prst="orthographicFront"/>
+            <a:lightRig rig="contrasting" dir="t">
+              <a:rot lat="0" lon="0" rev="3000000"/>
+            </a:lightRig>
+          </a:scene3d>
+          <a:sp3d contourW="7620">
+            <a:bevelT w="95250" h="31750"/>
+            <a:contourClr>
+              <a:srgbClr val="333333"/>
+            </a:contourClr>
+          </a:sp3d>
+        </p:spPr>
+      </p:pic>
+      <p:pic>
+        <p:nvPicPr>
+          <p:cNvPr id="10" name="Content Placeholder 9" hidden="1"/>
+          <p:cNvPicPr>
+            <a:picLocks noGrp="1" noChangeAspect="1"/>
+          </p:cNvPicPr>
+          <p:nvPr>
+            <p:ph sz="half" idx="2"/>
+          </p:nvPr>
+        </p:nvPicPr>
+        <p:blipFill>
+          <a:blip r:embed="rId3" cstate="print">
+            <a:extLst>
+              <a:ext uri="{28A0092B-C50C-407E-A947-70E740481C1C}">
+                <a14:useLocalDpi xmlns:a14="http://schemas.microsoft.com/office/drawing/2010/main" val="0"/>
+              </a:ext>
+            </a:extLst>
+          </a:blip>
+          <a:stretch>
+            <a:fillRect/>
+          </a:stretch>
+        </p:blipFill>
+        <p:spPr>
+          <a:xfrm>
+            <a:off x="2089150" y="2870200"/>
+            <a:ext cx="2190750" cy="2921000"/>
+          </a:xfrm>
+        </p:spPr>
+      </p:pic>
+      <p:pic>
+        <p:nvPicPr>
+          <p:cNvPr id="11" name="Content Placeholder 9"/>
+          <p:cNvPicPr>
+            <a:picLocks noChangeAspect="1"/>
+          </p:cNvPicPr>
+          <p:nvPr/>
+        </p:nvPicPr>
+        <p:blipFill rotWithShape="1">
+          <a:blip r:embed="rId4" cstate="print">
+            <a:extLst>
+              <a:ext uri="{28A0092B-C50C-407E-A947-70E740481C1C}">
+                <a14:useLocalDpi xmlns:a14="http://schemas.microsoft.com/office/drawing/2010/main" val="0"/>
+              </a:ext>
+            </a:extLst>
+          </a:blip>
+          <a:srcRect t="19328" b="5672"/>
+          <a:stretch/>
+        </p:blipFill>
+        <p:spPr>
+          <a:xfrm>
+            <a:off x="1888525" y="2392250"/>
+            <a:ext cx="2592000" cy="2592000"/>
+          </a:xfrm>
+          <a:prstGeom prst="ellipse">
+            <a:avLst/>
+          </a:prstGeom>
+          <a:ln w="63500" cap="rnd">
+            <a:solidFill>
+              <a:schemeClr val="bg1"/>
+            </a:solidFill>
+          </a:ln>
+          <a:effectLst>
+            <a:outerShdw blurRad="50800" dist="38100" dir="2700000" algn="tl" rotWithShape="0">
+              <a:prstClr val="black">
+                <a:alpha val="40000"/>
+              </a:prstClr>
+            </a:outerShdw>
+          </a:effectLst>
+          <a:scene3d>
+            <a:camera prst="orthographicFront"/>
+            <a:lightRig rig="contrasting" dir="t">
+              <a:rot lat="0" lon="0" rev="3000000"/>
+            </a:lightRig>
+          </a:scene3d>
+          <a:sp3d contourW="7620">
+            <a:bevelT w="95250" h="31750"/>
+            <a:contourClr>
+              <a:srgbClr val="333333"/>
+            </a:contourClr>
+          </a:sp3d>
+        </p:spPr>
+      </p:pic>
+    </p:spTree>
+    <p:extLst>
+      <p:ext uri="{BB962C8B-B14F-4D97-AF65-F5344CB8AC3E}">
+        <p14:creationId xmlns:p14="http://schemas.microsoft.com/office/powerpoint/2010/main" val="651618234"/>
+      </p:ext>
+    </p:extLst>
+  </p:cSld>
+  <p:clrMapOvr>
+    <a:masterClrMapping/>
+  </p:clrMapOvr>
+  <p:timing>
+    <p:tnLst>
+      <p:par>
+        <p:cTn id="1" dur="indefinite" restart="never" nodeType="tmRoot"/>
+      </p:par>
+    </p:tnLst>
+  </p:timing>
 </p:sld>
 </file>
 

--- a/HADIS_presentation.pptx
+++ b/HADIS_presentation.pptx
@@ -342,7 +342,7 @@
           <a:p>
             <a:fld id="{9D4357D3-663C-45D6-979E-D922428FF99F}" type="datetimeFigureOut">
               <a:rPr lang="bg-BG" smtClean="0"/>
-              <a:t>06.04.2022</a:t>
+              <a:t>09.04.2022</a:t>
             </a:fld>
             <a:endParaRPr lang="bg-BG"/>
           </a:p>
@@ -676,7 +676,7 @@
           <a:p>
             <a:fld id="{9D4357D3-663C-45D6-979E-D922428FF99F}" type="datetimeFigureOut">
               <a:rPr lang="bg-BG" smtClean="0"/>
-              <a:t>06.04.2022</a:t>
+              <a:t>09.04.2022</a:t>
             </a:fld>
             <a:endParaRPr lang="bg-BG"/>
           </a:p>
@@ -954,7 +954,7 @@
           <a:p>
             <a:fld id="{9D4357D3-663C-45D6-979E-D922428FF99F}" type="datetimeFigureOut">
               <a:rPr lang="bg-BG" smtClean="0"/>
-              <a:t>06.04.2022</a:t>
+              <a:t>09.04.2022</a:t>
             </a:fld>
             <a:endParaRPr lang="bg-BG"/>
           </a:p>
@@ -1522,7 +1522,7 @@
           <a:p>
             <a:fld id="{9D4357D3-663C-45D6-979E-D922428FF99F}" type="datetimeFigureOut">
               <a:rPr lang="bg-BG" smtClean="0"/>
-              <a:t>06.04.2022</a:t>
+              <a:t>09.04.2022</a:t>
             </a:fld>
             <a:endParaRPr lang="bg-BG"/>
           </a:p>
@@ -1800,7 +1800,7 @@
           <a:p>
             <a:fld id="{9D4357D3-663C-45D6-979E-D922428FF99F}" type="datetimeFigureOut">
               <a:rPr lang="bg-BG" smtClean="0"/>
-              <a:t>06.04.2022</a:t>
+              <a:t>09.04.2022</a:t>
             </a:fld>
             <a:endParaRPr lang="bg-BG"/>
           </a:p>
@@ -2362,7 +2362,7 @@
           <a:p>
             <a:fld id="{9D4357D3-663C-45D6-979E-D922428FF99F}" type="datetimeFigureOut">
               <a:rPr lang="bg-BG" smtClean="0"/>
-              <a:t>06.04.2022</a:t>
+              <a:t>09.04.2022</a:t>
             </a:fld>
             <a:endParaRPr lang="bg-BG"/>
           </a:p>
@@ -2689,7 +2689,7 @@
           <a:p>
             <a:fld id="{9D4357D3-663C-45D6-979E-D922428FF99F}" type="datetimeFigureOut">
               <a:rPr lang="bg-BG" smtClean="0"/>
-              <a:t>06.04.2022</a:t>
+              <a:t>09.04.2022</a:t>
             </a:fld>
             <a:endParaRPr lang="bg-BG"/>
           </a:p>
@@ -2866,7 +2866,7 @@
           <a:p>
             <a:fld id="{9D4357D3-663C-45D6-979E-D922428FF99F}" type="datetimeFigureOut">
               <a:rPr lang="bg-BG" smtClean="0"/>
-              <a:t>06.04.2022</a:t>
+              <a:t>09.04.2022</a:t>
             </a:fld>
             <a:endParaRPr lang="bg-BG"/>
           </a:p>
@@ -3104,7 +3104,7 @@
           <a:p>
             <a:fld id="{9D4357D3-663C-45D6-979E-D922428FF99F}" type="datetimeFigureOut">
               <a:rPr lang="bg-BG" smtClean="0"/>
-              <a:t>06.04.2022</a:t>
+              <a:t>09.04.2022</a:t>
             </a:fld>
             <a:endParaRPr lang="bg-BG"/>
           </a:p>
@@ -3304,7 +3304,7 @@
           <a:p>
             <a:fld id="{9D4357D3-663C-45D6-979E-D922428FF99F}" type="datetimeFigureOut">
               <a:rPr lang="bg-BG" smtClean="0"/>
-              <a:t>06.04.2022</a:t>
+              <a:t>09.04.2022</a:t>
             </a:fld>
             <a:endParaRPr lang="bg-BG"/>
           </a:p>
@@ -3580,7 +3580,7 @@
           <a:p>
             <a:fld id="{9D4357D3-663C-45D6-979E-D922428FF99F}" type="datetimeFigureOut">
               <a:rPr lang="bg-BG" smtClean="0"/>
-              <a:t>06.04.2022</a:t>
+              <a:t>09.04.2022</a:t>
             </a:fld>
             <a:endParaRPr lang="bg-BG"/>
           </a:p>
@@ -3846,7 +3846,7 @@
           <a:p>
             <a:fld id="{9D4357D3-663C-45D6-979E-D922428FF99F}" type="datetimeFigureOut">
               <a:rPr lang="bg-BG" smtClean="0"/>
-              <a:t>06.04.2022</a:t>
+              <a:t>09.04.2022</a:t>
             </a:fld>
             <a:endParaRPr lang="bg-BG"/>
           </a:p>
@@ -4220,7 +4220,7 @@
           <a:p>
             <a:fld id="{9D4357D3-663C-45D6-979E-D922428FF99F}" type="datetimeFigureOut">
               <a:rPr lang="bg-BG" smtClean="0"/>
-              <a:t>06.04.2022</a:t>
+              <a:t>09.04.2022</a:t>
             </a:fld>
             <a:endParaRPr lang="bg-BG"/>
           </a:p>
@@ -4368,7 +4368,7 @@
           <a:p>
             <a:fld id="{9D4357D3-663C-45D6-979E-D922428FF99F}" type="datetimeFigureOut">
               <a:rPr lang="bg-BG" smtClean="0"/>
-              <a:t>06.04.2022</a:t>
+              <a:t>09.04.2022</a:t>
             </a:fld>
             <a:endParaRPr lang="bg-BG"/>
           </a:p>
@@ -4493,7 +4493,7 @@
           <a:p>
             <a:fld id="{9D4357D3-663C-45D6-979E-D922428FF99F}" type="datetimeFigureOut">
               <a:rPr lang="bg-BG" smtClean="0"/>
-              <a:t>06.04.2022</a:t>
+              <a:t>09.04.2022</a:t>
             </a:fld>
             <a:endParaRPr lang="bg-BG"/>
           </a:p>
@@ -4778,7 +4778,7 @@
           <a:p>
             <a:fld id="{9D4357D3-663C-45D6-979E-D922428FF99F}" type="datetimeFigureOut">
               <a:rPr lang="bg-BG" smtClean="0"/>
-              <a:t>06.04.2022</a:t>
+              <a:t>09.04.2022</a:t>
             </a:fld>
             <a:endParaRPr lang="bg-BG"/>
           </a:p>
@@ -5102,7 +5102,7 @@
           <a:p>
             <a:fld id="{9D4357D3-663C-45D6-979E-D922428FF99F}" type="datetimeFigureOut">
               <a:rPr lang="bg-BG" smtClean="0"/>
-              <a:t>06.04.2022</a:t>
+              <a:t>09.04.2022</a:t>
             </a:fld>
             <a:endParaRPr lang="bg-BG"/>
           </a:p>
@@ -5316,7 +5316,7 @@
           <a:p>
             <a:fld id="{9D4357D3-663C-45D6-979E-D922428FF99F}" type="datetimeFigureOut">
               <a:rPr lang="bg-BG" smtClean="0"/>
-              <a:t>06.04.2022</a:t>
+              <a:t>09.04.2022</a:t>
             </a:fld>
             <a:endParaRPr lang="bg-BG"/>
           </a:p>
@@ -5904,11 +5904,22 @@
           <a:bodyPr/>
           <a:lstStyle/>
           <a:p>
-            <a:r>
-              <a:rPr lang="en-US" dirty="0" smtClean="0"/>
+            <a:pPr algn="ctr"/>
+            <a:r>
+              <a:rPr lang="en-US" dirty="0" smtClean="0">
+                <a:solidFill>
+                  <a:srgbClr val="FFFF00"/>
+                </a:solidFill>
+                <a:latin typeface="Sofia Sans" pitchFamily="2" charset="0"/>
+              </a:rPr>
               <a:t>HADIS</a:t>
             </a:r>
-            <a:endParaRPr lang="bg-BG" dirty="0"/>
+            <a:endParaRPr lang="bg-BG" dirty="0">
+              <a:solidFill>
+                <a:srgbClr val="FFFF00"/>
+              </a:solidFill>
+              <a:latin typeface="Sofia Sans" pitchFamily="2" charset="0"/>
+            </a:endParaRPr>
           </a:p>
         </p:txBody>
       </p:sp>
@@ -5927,11 +5938,31 @@
           <a:bodyPr/>
           <a:lstStyle/>
           <a:p>
-            <a:r>
-              <a:rPr lang="en-US" dirty="0" smtClean="0"/>
-              <a:t>HUNT A DUCK IN SPACE</a:t>
-            </a:r>
-            <a:endParaRPr lang="bg-BG" dirty="0"/>
+            <a:pPr algn="ctr"/>
+            <a:r>
+              <a:rPr lang="en-US" dirty="0" smtClean="0">
+                <a:solidFill>
+                  <a:srgbClr val="FFFF00"/>
+                </a:solidFill>
+                <a:latin typeface="Sofia Sans" pitchFamily="2" charset="0"/>
+              </a:rPr>
+              <a:t>HUNT </a:t>
+            </a:r>
+            <a:r>
+              <a:rPr lang="en-US" dirty="0" smtClean="0">
+                <a:solidFill>
+                  <a:srgbClr val="FFFF00"/>
+                </a:solidFill>
+                <a:latin typeface="Sofia Sans" pitchFamily="2" charset="0"/>
+              </a:rPr>
+              <a:t>A DUCK IN SPACE</a:t>
+            </a:r>
+            <a:endParaRPr lang="bg-BG" dirty="0">
+              <a:solidFill>
+                <a:srgbClr val="FFFF00"/>
+              </a:solidFill>
+              <a:latin typeface="Sofia Sans" pitchFamily="2" charset="0"/>
+            </a:endParaRPr>
           </a:p>
         </p:txBody>
       </p:sp>
@@ -6088,11 +6119,22 @@
           <a:bodyPr/>
           <a:lstStyle/>
           <a:p>
-            <a:r>
-              <a:rPr lang="bg-BG" dirty="0" smtClean="0"/>
+            <a:pPr algn="ctr"/>
+            <a:r>
+              <a:rPr lang="bg-BG" dirty="0" smtClean="0">
+                <a:solidFill>
+                  <a:srgbClr val="FFFF00"/>
+                </a:solidFill>
+                <a:latin typeface="Sofia Sans" pitchFamily="2" charset="0"/>
+              </a:rPr>
               <a:t>Кои сме ние?</a:t>
             </a:r>
-            <a:endParaRPr lang="bg-BG" dirty="0"/>
+            <a:endParaRPr lang="bg-BG" dirty="0">
+              <a:solidFill>
+                <a:srgbClr val="FFFF00"/>
+              </a:solidFill>
+              <a:latin typeface="Sofia Sans" pitchFamily="2" charset="0"/>
+            </a:endParaRPr>
           </a:p>
         </p:txBody>
       </p:sp>
@@ -6123,11 +6165,22 @@
           <a:bodyPr/>
           <a:lstStyle/>
           <a:p>
-            <a:r>
-              <a:rPr lang="bg-BG" dirty="0" smtClean="0"/>
+            <a:pPr algn="ctr"/>
+            <a:r>
+              <a:rPr lang="bg-BG" dirty="0" smtClean="0">
+                <a:solidFill>
+                  <a:srgbClr val="FFFF00"/>
+                </a:solidFill>
+                <a:latin typeface="Sofia Sans" pitchFamily="2" charset="0"/>
+              </a:rPr>
               <a:t>Димитър Грозев</a:t>
             </a:r>
-            <a:endParaRPr lang="bg-BG" dirty="0"/>
+            <a:endParaRPr lang="bg-BG" dirty="0">
+              <a:solidFill>
+                <a:srgbClr val="FFFF00"/>
+              </a:solidFill>
+              <a:latin typeface="Sofia Sans" pitchFamily="2" charset="0"/>
+            </a:endParaRPr>
           </a:p>
         </p:txBody>
       </p:sp>
@@ -6158,11 +6211,22 @@
           <a:bodyPr/>
           <a:lstStyle/>
           <a:p>
-            <a:r>
-              <a:rPr lang="bg-BG" dirty="0" smtClean="0"/>
+            <a:pPr algn="ctr"/>
+            <a:r>
+              <a:rPr lang="bg-BG" dirty="0" smtClean="0">
+                <a:solidFill>
+                  <a:srgbClr val="FFFF00"/>
+                </a:solidFill>
+                <a:latin typeface="Sofia Sans" pitchFamily="2" charset="0"/>
+              </a:rPr>
               <a:t>Николай Захариев</a:t>
             </a:r>
-            <a:endParaRPr lang="bg-BG" dirty="0"/>
+            <a:endParaRPr lang="bg-BG" dirty="0">
+              <a:solidFill>
+                <a:srgbClr val="FFFF00"/>
+              </a:solidFill>
+              <a:latin typeface="Sofia Sans" pitchFamily="2" charset="0"/>
+            </a:endParaRPr>
           </a:p>
         </p:txBody>
       </p:sp>
